--- a/desain/rancangan aplikasi shift dengan algoritma genetika.pptx
+++ b/desain/rancangan aplikasi shift dengan algoritma genetika.pptx
@@ -5,7 +5,7 @@
     <p:sldMasterId id="2147483672" r:id="rId1"/>
   </p:sldMasterIdLst>
   <p:notesMasterIdLst>
-    <p:notesMasterId r:id="rId15"/>
+    <p:notesMasterId r:id="rId16"/>
   </p:notesMasterIdLst>
   <p:sldIdLst>
     <p:sldId id="256" r:id="rId2"/>
@@ -21,6 +21,7 @@
     <p:sldId id="270" r:id="rId12"/>
     <p:sldId id="271" r:id="rId13"/>
     <p:sldId id="269" r:id="rId14"/>
+    <p:sldId id="272" r:id="rId15"/>
   </p:sldIdLst>
   <p:sldSz cx="12192000" cy="6858000"/>
   <p:notesSz cx="6858000" cy="9144000"/>
@@ -209,7 +210,7 @@
           <a:p>
             <a:fld id="{508E973A-E1F5-4B03-BBF1-6085D94C1213}" type="datetimeFigureOut">
               <a:rPr lang="en-GB" smtClean="0"/>
-              <a:t>26/09/2023</a:t>
+              <a:t>27/09/2023</a:t>
             </a:fld>
             <a:endParaRPr lang="en-GB"/>
           </a:p>
@@ -761,7 +762,7 @@
           <a:p>
             <a:fld id="{1389E50A-1BB1-47B1-9680-D7EA5F20C948}" type="datetimeFigureOut">
               <a:rPr lang="en-GB" smtClean="0"/>
-              <a:t>26/09/2023</a:t>
+              <a:t>27/09/2023</a:t>
             </a:fld>
             <a:endParaRPr lang="en-GB"/>
           </a:p>
@@ -951,7 +952,7 @@
           <a:p>
             <a:fld id="{1389E50A-1BB1-47B1-9680-D7EA5F20C948}" type="datetimeFigureOut">
               <a:rPr lang="en-GB" smtClean="0"/>
-              <a:t>26/09/2023</a:t>
+              <a:t>27/09/2023</a:t>
             </a:fld>
             <a:endParaRPr lang="en-GB"/>
           </a:p>
@@ -1131,7 +1132,7 @@
           <a:p>
             <a:fld id="{1389E50A-1BB1-47B1-9680-D7EA5F20C948}" type="datetimeFigureOut">
               <a:rPr lang="en-GB" smtClean="0"/>
-              <a:t>26/09/2023</a:t>
+              <a:t>27/09/2023</a:t>
             </a:fld>
             <a:endParaRPr lang="en-GB"/>
           </a:p>
@@ -1301,7 +1302,7 @@
           <a:p>
             <a:fld id="{1389E50A-1BB1-47B1-9680-D7EA5F20C948}" type="datetimeFigureOut">
               <a:rPr lang="en-GB" smtClean="0"/>
-              <a:t>26/09/2023</a:t>
+              <a:t>27/09/2023</a:t>
             </a:fld>
             <a:endParaRPr lang="en-GB"/>
           </a:p>
@@ -1557,7 +1558,7 @@
           <a:p>
             <a:fld id="{1389E50A-1BB1-47B1-9680-D7EA5F20C948}" type="datetimeFigureOut">
               <a:rPr lang="en-GB" smtClean="0"/>
-              <a:t>26/09/2023</a:t>
+              <a:t>27/09/2023</a:t>
             </a:fld>
             <a:endParaRPr lang="en-GB"/>
           </a:p>
@@ -1845,7 +1846,7 @@
           <a:p>
             <a:fld id="{1389E50A-1BB1-47B1-9680-D7EA5F20C948}" type="datetimeFigureOut">
               <a:rPr lang="en-GB" smtClean="0"/>
-              <a:t>26/09/2023</a:t>
+              <a:t>27/09/2023</a:t>
             </a:fld>
             <a:endParaRPr lang="en-GB"/>
           </a:p>
@@ -2283,7 +2284,7 @@
           <a:p>
             <a:fld id="{1389E50A-1BB1-47B1-9680-D7EA5F20C948}" type="datetimeFigureOut">
               <a:rPr lang="en-GB" smtClean="0"/>
-              <a:t>26/09/2023</a:t>
+              <a:t>27/09/2023</a:t>
             </a:fld>
             <a:endParaRPr lang="en-GB"/>
           </a:p>
@@ -2401,7 +2402,7 @@
           <a:p>
             <a:fld id="{1389E50A-1BB1-47B1-9680-D7EA5F20C948}" type="datetimeFigureOut">
               <a:rPr lang="en-GB" smtClean="0"/>
-              <a:t>26/09/2023</a:t>
+              <a:t>27/09/2023</a:t>
             </a:fld>
             <a:endParaRPr lang="en-GB"/>
           </a:p>
@@ -2496,7 +2497,7 @@
           <a:p>
             <a:fld id="{1389E50A-1BB1-47B1-9680-D7EA5F20C948}" type="datetimeFigureOut">
               <a:rPr lang="en-GB" smtClean="0"/>
-              <a:t>26/09/2023</a:t>
+              <a:t>27/09/2023</a:t>
             </a:fld>
             <a:endParaRPr lang="en-GB"/>
           </a:p>
@@ -2852,7 +2853,7 @@
           <a:p>
             <a:fld id="{1389E50A-1BB1-47B1-9680-D7EA5F20C948}" type="datetimeFigureOut">
               <a:rPr lang="en-GB" smtClean="0"/>
-              <a:t>26/09/2023</a:t>
+              <a:t>27/09/2023</a:t>
             </a:fld>
             <a:endParaRPr lang="en-GB"/>
           </a:p>
@@ -3168,7 +3169,7 @@
           <a:p>
             <a:fld id="{1389E50A-1BB1-47B1-9680-D7EA5F20C948}" type="datetimeFigureOut">
               <a:rPr lang="en-GB" smtClean="0"/>
-              <a:t>26/09/2023</a:t>
+              <a:t>27/09/2023</a:t>
             </a:fld>
             <a:endParaRPr lang="en-GB"/>
           </a:p>
@@ -3401,7 +3402,7 @@
           <a:p>
             <a:fld id="{1389E50A-1BB1-47B1-9680-D7EA5F20C948}" type="datetimeFigureOut">
               <a:rPr lang="en-GB" smtClean="0"/>
-              <a:t>26/09/2023</a:t>
+              <a:t>27/09/2023</a:t>
             </a:fld>
             <a:endParaRPr lang="en-GB"/>
           </a:p>
@@ -3855,8 +3856,8 @@
         </p:nvSpPr>
         <p:spPr>
           <a:xfrm>
-            <a:off x="603504" y="956605"/>
-            <a:ext cx="10782300" cy="2505482"/>
+            <a:off x="603504" y="1491174"/>
+            <a:ext cx="10782300" cy="2350739"/>
           </a:xfrm>
         </p:spPr>
         <p:txBody>
@@ -3925,8 +3926,8 @@
         </p:nvSpPr>
         <p:spPr>
           <a:xfrm>
-            <a:off x="0" y="3812981"/>
-            <a:ext cx="12192000" cy="1645920"/>
+            <a:off x="0" y="4192808"/>
+            <a:ext cx="12192000" cy="759019"/>
           </a:xfrm>
         </p:spPr>
         <p:txBody>
@@ -4380,13 +4381,13 @@
           <p:nvPr>
             <p:extLst>
               <p:ext uri="{D42A27DB-BD31-4B8C-83A1-F6EECF244321}">
-                <p14:modId xmlns:p14="http://schemas.microsoft.com/office/powerpoint/2010/main" val="3640497743"/>
+                <p14:modId xmlns:p14="http://schemas.microsoft.com/office/powerpoint/2010/main" val="3188776600"/>
               </p:ext>
             </p:extLst>
           </p:nvPr>
         </p:nvGraphicFramePr>
         <p:xfrm>
-          <a:off x="1979610" y="2435925"/>
+          <a:off x="1979610" y="2687320"/>
           <a:ext cx="8128002" cy="1483360"/>
         </p:xfrm>
         <a:graphic>
@@ -4446,8 +4447,21 @@
                     <a:lstStyle/>
                     <a:p>
                       <a:r>
+                        <a:rPr lang="en-GB" dirty="0"/>
+                        <a:t>Nama</a:t>
+                      </a:r>
+                    </a:p>
+                  </a:txBody>
+                  <a:tcPr/>
+                </a:tc>
+                <a:tc>
+                  <a:txBody>
+                    <a:bodyPr/>
+                    <a:lstStyle/>
+                    <a:p>
+                      <a:r>
                         <a:rPr lang="en-GB" dirty="0" err="1"/>
-                        <a:t>waktu</a:t>
+                        <a:t>Senin</a:t>
                       </a:r>
                       <a:endParaRPr lang="en-GB" dirty="0"/>
                     </a:p>
@@ -4461,7 +4475,7 @@
                     <a:p>
                       <a:r>
                         <a:rPr lang="en-GB" dirty="0" err="1"/>
-                        <a:t>andi</a:t>
+                        <a:t>Selasa</a:t>
                       </a:r>
                       <a:endParaRPr lang="en-GB" dirty="0"/>
                     </a:p>
@@ -4474,8 +4488,21 @@
                     <a:lstStyle/>
                     <a:p>
                       <a:r>
+                        <a:rPr lang="en-GB" dirty="0"/>
+                        <a:t>Rabu</a:t>
+                      </a:r>
+                    </a:p>
+                  </a:txBody>
+                  <a:tcPr/>
+                </a:tc>
+                <a:tc>
+                  <a:txBody>
+                    <a:bodyPr/>
+                    <a:lstStyle/>
+                    <a:p>
+                      <a:r>
                         <a:rPr lang="en-GB" dirty="0" err="1"/>
-                        <a:t>budi</a:t>
+                        <a:t>Kamis</a:t>
                       </a:r>
                       <a:endParaRPr lang="en-GB" dirty="0"/>
                     </a:p>
@@ -4489,28 +4516,8 @@
                     <a:p>
                       <a:r>
                         <a:rPr lang="en-GB" dirty="0" err="1"/>
-                        <a:t>cinta</a:t>
-                      </a:r>
-                      <a:endParaRPr lang="en-GB" dirty="0"/>
-                    </a:p>
-                  </a:txBody>
-                  <a:tcPr/>
-                </a:tc>
-                <a:tc>
-                  <a:txBody>
-                    <a:bodyPr/>
-                    <a:lstStyle/>
-                    <a:p>
-                      <a:endParaRPr lang="en-GB"/>
-                    </a:p>
-                  </a:txBody>
-                  <a:tcPr/>
-                </a:tc>
-                <a:tc>
-                  <a:txBody>
-                    <a:bodyPr/>
-                    <a:lstStyle/>
-                    <a:p>
+                        <a:t>Jumat</a:t>
+                      </a:r>
                       <a:endParaRPr lang="en-GB" dirty="0"/>
                     </a:p>
                   </a:txBody>
@@ -4528,57 +4535,76 @@
                     <a:bodyPr/>
                     <a:lstStyle/>
                     <a:p>
-                      <a:endParaRPr lang="en-GB" dirty="0"/>
-                    </a:p>
-                  </a:txBody>
-                  <a:tcPr/>
-                </a:tc>
-                <a:tc>
-                  <a:txBody>
-                    <a:bodyPr/>
-                    <a:lstStyle/>
-                    <a:p>
-                      <a:endParaRPr lang="en-GB" dirty="0"/>
-                    </a:p>
-                  </a:txBody>
-                  <a:tcPr/>
-                </a:tc>
-                <a:tc>
-                  <a:txBody>
-                    <a:bodyPr/>
-                    <a:lstStyle/>
-                    <a:p>
-                      <a:endParaRPr lang="en-GB"/>
-                    </a:p>
-                  </a:txBody>
-                  <a:tcPr/>
-                </a:tc>
-                <a:tc>
-                  <a:txBody>
-                    <a:bodyPr/>
-                    <a:lstStyle/>
-                    <a:p>
-                      <a:endParaRPr lang="en-GB"/>
-                    </a:p>
-                  </a:txBody>
-                  <a:tcPr/>
-                </a:tc>
-                <a:tc>
-                  <a:txBody>
-                    <a:bodyPr/>
-                    <a:lstStyle/>
-                    <a:p>
-                      <a:endParaRPr lang="en-GB"/>
-                    </a:p>
-                  </a:txBody>
-                  <a:tcPr/>
-                </a:tc>
-                <a:tc>
-                  <a:txBody>
-                    <a:bodyPr/>
-                    <a:lstStyle/>
-                    <a:p>
-                      <a:endParaRPr lang="en-GB"/>
+                      <a:r>
+                        <a:rPr lang="en-GB" dirty="0"/>
+                        <a:t>Andi</a:t>
+                      </a:r>
+                    </a:p>
+                  </a:txBody>
+                  <a:tcPr/>
+                </a:tc>
+                <a:tc>
+                  <a:txBody>
+                    <a:bodyPr/>
+                    <a:lstStyle/>
+                    <a:p>
+                      <a:r>
+                        <a:rPr lang="en-GB" dirty="0"/>
+                        <a:t>08.00-12.00</a:t>
+                      </a:r>
+                    </a:p>
+                  </a:txBody>
+                  <a:tcPr/>
+                </a:tc>
+                <a:tc>
+                  <a:txBody>
+                    <a:bodyPr/>
+                    <a:lstStyle/>
+                    <a:p>
+                      <a:r>
+                        <a:rPr lang="en-GB" dirty="0"/>
+                        <a:t>12.00-16.00</a:t>
+                      </a:r>
+                    </a:p>
+                  </a:txBody>
+                  <a:tcPr/>
+                </a:tc>
+                <a:tc>
+                  <a:txBody>
+                    <a:bodyPr/>
+                    <a:lstStyle/>
+                    <a:p>
+                      <a:pPr algn="ctr"/>
+                      <a:r>
+                        <a:rPr lang="en-GB" dirty="0"/>
+                        <a:t>-</a:t>
+                      </a:r>
+                    </a:p>
+                  </a:txBody>
+                  <a:tcPr/>
+                </a:tc>
+                <a:tc>
+                  <a:txBody>
+                    <a:bodyPr/>
+                    <a:lstStyle/>
+                    <a:p>
+                      <a:r>
+                        <a:rPr lang="en-GB" dirty="0"/>
+                        <a:t>08.00-12.00</a:t>
+                      </a:r>
+                    </a:p>
+                  </a:txBody>
+                  <a:tcPr/>
+                </a:tc>
+                <a:tc>
+                  <a:txBody>
+                    <a:bodyPr/>
+                    <a:lstStyle/>
+                    <a:p>
+                      <a:r>
+                        <a:rPr lang="en-GB" dirty="0"/>
+                        <a:t>12.00-16.00</a:t>
+                      </a:r>
                     </a:p>
                   </a:txBody>
                   <a:tcPr/>
@@ -4595,57 +4621,77 @@
                     <a:bodyPr/>
                     <a:lstStyle/>
                     <a:p>
-                      <a:endParaRPr lang="en-GB"/>
-                    </a:p>
-                  </a:txBody>
-                  <a:tcPr/>
-                </a:tc>
-                <a:tc>
-                  <a:txBody>
-                    <a:bodyPr/>
-                    <a:lstStyle/>
-                    <a:p>
-                      <a:endParaRPr lang="en-GB"/>
-                    </a:p>
-                  </a:txBody>
-                  <a:tcPr/>
-                </a:tc>
-                <a:tc>
-                  <a:txBody>
-                    <a:bodyPr/>
-                    <a:lstStyle/>
-                    <a:p>
-                      <a:endParaRPr lang="en-GB"/>
-                    </a:p>
-                  </a:txBody>
-                  <a:tcPr/>
-                </a:tc>
-                <a:tc>
-                  <a:txBody>
-                    <a:bodyPr/>
-                    <a:lstStyle/>
-                    <a:p>
-                      <a:endParaRPr lang="en-GB"/>
-                    </a:p>
-                  </a:txBody>
-                  <a:tcPr/>
-                </a:tc>
-                <a:tc>
-                  <a:txBody>
-                    <a:bodyPr/>
-                    <a:lstStyle/>
-                    <a:p>
-                      <a:endParaRPr lang="en-GB"/>
-                    </a:p>
-                  </a:txBody>
-                  <a:tcPr/>
-                </a:tc>
-                <a:tc>
-                  <a:txBody>
-                    <a:bodyPr/>
-                    <a:lstStyle/>
-                    <a:p>
-                      <a:endParaRPr lang="en-GB"/>
+                      <a:r>
+                        <a:rPr lang="en-GB" dirty="0"/>
+                        <a:t>Budi</a:t>
+                      </a:r>
+                    </a:p>
+                  </a:txBody>
+                  <a:tcPr/>
+                </a:tc>
+                <a:tc>
+                  <a:txBody>
+                    <a:bodyPr/>
+                    <a:lstStyle/>
+                    <a:p>
+                      <a:r>
+                        <a:rPr lang="en-GB" dirty="0"/>
+                        <a:t>12.00-16.00</a:t>
+                      </a:r>
+                    </a:p>
+                  </a:txBody>
+                  <a:tcPr/>
+                </a:tc>
+                <a:tc>
+                  <a:txBody>
+                    <a:bodyPr/>
+                    <a:lstStyle/>
+                    <a:p>
+                      <a:pPr algn="ctr"/>
+                      <a:r>
+                        <a:rPr lang="en-GB" dirty="0"/>
+                        <a:t>-</a:t>
+                      </a:r>
+                    </a:p>
+                  </a:txBody>
+                  <a:tcPr/>
+                </a:tc>
+                <a:tc>
+                  <a:txBody>
+                    <a:bodyPr/>
+                    <a:lstStyle/>
+                    <a:p>
+                      <a:r>
+                        <a:rPr lang="en-GB" dirty="0"/>
+                        <a:t>08.00-12.00</a:t>
+                      </a:r>
+                    </a:p>
+                  </a:txBody>
+                  <a:tcPr/>
+                </a:tc>
+                <a:tc>
+                  <a:txBody>
+                    <a:bodyPr/>
+                    <a:lstStyle/>
+                    <a:p>
+                      <a:r>
+                        <a:rPr lang="en-GB" dirty="0"/>
+                        <a:t>12.00-16.00</a:t>
+                      </a:r>
+                    </a:p>
+                  </a:txBody>
+                  <a:tcPr/>
+                </a:tc>
+                <a:tc>
+                  <a:txBody>
+                    <a:bodyPr/>
+                    <a:lstStyle/>
+                    <a:p>
+                      <a:pPr algn="ctr"/>
+                      <a:r>
+                        <a:rPr lang="en-GB" dirty="0"/>
+                        <a:t>-</a:t>
+                      </a:r>
                     </a:p>
                   </a:txBody>
                   <a:tcPr/>
@@ -4662,6 +4708,60 @@
                     <a:bodyPr/>
                     <a:lstStyle/>
                     <a:p>
+                      <a:r>
+                        <a:rPr lang="en-GB" dirty="0" err="1"/>
+                        <a:t>Cinta</a:t>
+                      </a:r>
+                      <a:endParaRPr lang="en-GB" dirty="0"/>
+                    </a:p>
+                  </a:txBody>
+                  <a:tcPr/>
+                </a:tc>
+                <a:tc>
+                  <a:txBody>
+                    <a:bodyPr/>
+                    <a:lstStyle/>
+                    <a:p>
+                      <a:pPr algn="ctr"/>
+                      <a:r>
+                        <a:rPr lang="en-GB" dirty="0"/>
+                        <a:t>-</a:t>
+                      </a:r>
+                    </a:p>
+                  </a:txBody>
+                  <a:tcPr/>
+                </a:tc>
+                <a:tc>
+                  <a:txBody>
+                    <a:bodyPr/>
+                    <a:lstStyle/>
+                    <a:p>
+                      <a:r>
+                        <a:rPr lang="en-GB" dirty="0"/>
+                        <a:t>08.00-12.00</a:t>
+                      </a:r>
+                    </a:p>
+                  </a:txBody>
+                  <a:tcPr/>
+                </a:tc>
+                <a:tc>
+                  <a:txBody>
+                    <a:bodyPr/>
+                    <a:lstStyle/>
+                    <a:p>
+                      <a:r>
+                        <a:rPr lang="en-GB" dirty="0"/>
+                        <a:t>12.00-16.00</a:t>
+                      </a:r>
+                    </a:p>
+                  </a:txBody>
+                  <a:tcPr/>
+                </a:tc>
+                <a:tc>
+                  <a:txBody>
+                    <a:bodyPr/>
+                    <a:lstStyle/>
+                    <a:p>
                       <a:endParaRPr lang="en-GB"/>
                     </a:p>
                   </a:txBody>
@@ -4672,47 +4772,10 @@
                     <a:bodyPr/>
                     <a:lstStyle/>
                     <a:p>
-                      <a:endParaRPr lang="en-GB"/>
-                    </a:p>
-                  </a:txBody>
-                  <a:tcPr/>
-                </a:tc>
-                <a:tc>
-                  <a:txBody>
-                    <a:bodyPr/>
-                    <a:lstStyle/>
-                    <a:p>
-                      <a:endParaRPr lang="en-GB"/>
-                    </a:p>
-                  </a:txBody>
-                  <a:tcPr/>
-                </a:tc>
-                <a:tc>
-                  <a:txBody>
-                    <a:bodyPr/>
-                    <a:lstStyle/>
-                    <a:p>
-                      <a:endParaRPr lang="en-GB"/>
-                    </a:p>
-                  </a:txBody>
-                  <a:tcPr/>
-                </a:tc>
-                <a:tc>
-                  <a:txBody>
-                    <a:bodyPr/>
-                    <a:lstStyle/>
-                    <a:p>
-                      <a:endParaRPr lang="en-GB"/>
-                    </a:p>
-                  </a:txBody>
-                  <a:tcPr/>
-                </a:tc>
-                <a:tc>
-                  <a:txBody>
-                    <a:bodyPr/>
-                    <a:lstStyle/>
-                    <a:p>
-                      <a:endParaRPr lang="en-GB" dirty="0"/>
+                      <a:r>
+                        <a:rPr lang="en-GB" dirty="0"/>
+                        <a:t>08.00-12.00</a:t>
+                      </a:r>
                     </a:p>
                   </a:txBody>
                   <a:tcPr/>
@@ -4729,10 +4792,10 @@
       </p:graphicFrame>
       <p:sp>
         <p:nvSpPr>
-          <p:cNvPr id="7" name="Rectangle 6">
+          <p:cNvPr id="6" name="Rectangle: Rounded Corners 5">
             <a:extLst>
               <a:ext uri="{FF2B5EF4-FFF2-40B4-BE49-F238E27FC236}">
-                <a16:creationId xmlns:a16="http://schemas.microsoft.com/office/drawing/2014/main" id="{8C3F5C87-594B-4D91-BACD-67A2C8B482C2}"/>
+                <a16:creationId xmlns:a16="http://schemas.microsoft.com/office/drawing/2014/main" id="{F0C03908-D73A-4B6D-8767-94C5B7E478DB}"/>
               </a:ext>
             </a:extLst>
           </p:cNvPr>
@@ -4741,10 +4804,10 @@
         </p:nvSpPr>
         <p:spPr>
           <a:xfrm>
-            <a:off x="422031" y="499533"/>
-            <a:ext cx="11549575" cy="6252959"/>
-          </a:xfrm>
-          <a:prstGeom prst="rect">
+            <a:off x="2110154" y="4797084"/>
+            <a:ext cx="1364566" cy="351692"/>
+          </a:xfrm>
+          <a:prstGeom prst="roundRect">
             <a:avLst/>
           </a:prstGeom>
         </p:spPr>
@@ -4769,7 +4832,108 @@
           <a:lstStyle/>
           <a:p>
             <a:pPr algn="ctr"/>
-            <a:endParaRPr lang="en-GB"/>
+            <a:r>
+              <a:rPr lang="en-GB" sz="1400" b="1" dirty="0"/>
+              <a:t>BUAT JADWAL</a:t>
+            </a:r>
+          </a:p>
+        </p:txBody>
+      </p:sp>
+      <p:sp>
+        <p:nvSpPr>
+          <p:cNvPr id="8" name="Rectangle: Rounded Corners 7">
+            <a:extLst>
+              <a:ext uri="{FF2B5EF4-FFF2-40B4-BE49-F238E27FC236}">
+                <a16:creationId xmlns:a16="http://schemas.microsoft.com/office/drawing/2014/main" id="{B507D50C-96F4-475E-A113-70493EACDA72}"/>
+              </a:ext>
+            </a:extLst>
+          </p:cNvPr>
+          <p:cNvSpPr/>
+          <p:nvPr/>
+        </p:nvSpPr>
+        <p:spPr>
+          <a:xfrm>
+            <a:off x="3669323" y="4793307"/>
+            <a:ext cx="1364566" cy="351692"/>
+          </a:xfrm>
+          <a:prstGeom prst="roundRect">
+            <a:avLst/>
+          </a:prstGeom>
+        </p:spPr>
+        <p:style>
+          <a:lnRef idx="2">
+            <a:schemeClr val="accent1">
+              <a:shade val="50000"/>
+            </a:schemeClr>
+          </a:lnRef>
+          <a:fillRef idx="1">
+            <a:schemeClr val="accent1"/>
+          </a:fillRef>
+          <a:effectRef idx="0">
+            <a:schemeClr val="accent1"/>
+          </a:effectRef>
+          <a:fontRef idx="minor">
+            <a:schemeClr val="lt1"/>
+          </a:fontRef>
+        </p:style>
+        <p:txBody>
+          <a:bodyPr rtlCol="0" anchor="ctr"/>
+          <a:lstStyle/>
+          <a:p>
+            <a:pPr algn="ctr"/>
+            <a:r>
+              <a:rPr lang="en-GB" sz="1400" b="1" dirty="0"/>
+              <a:t>RESET JADWAL</a:t>
+            </a:r>
+          </a:p>
+        </p:txBody>
+      </p:sp>
+      <p:sp>
+        <p:nvSpPr>
+          <p:cNvPr id="9" name="Rectangle: Rounded Corners 8">
+            <a:extLst>
+              <a:ext uri="{FF2B5EF4-FFF2-40B4-BE49-F238E27FC236}">
+                <a16:creationId xmlns:a16="http://schemas.microsoft.com/office/drawing/2014/main" id="{9606005D-A3E0-41BA-87EE-3048A9F5FB7E}"/>
+              </a:ext>
+            </a:extLst>
+          </p:cNvPr>
+          <p:cNvSpPr/>
+          <p:nvPr/>
+        </p:nvSpPr>
+        <p:spPr>
+          <a:xfrm>
+            <a:off x="5228492" y="4796565"/>
+            <a:ext cx="1364566" cy="351692"/>
+          </a:xfrm>
+          <a:prstGeom prst="roundRect">
+            <a:avLst/>
+          </a:prstGeom>
+        </p:spPr>
+        <p:style>
+          <a:lnRef idx="2">
+            <a:schemeClr val="accent1">
+              <a:shade val="50000"/>
+            </a:schemeClr>
+          </a:lnRef>
+          <a:fillRef idx="1">
+            <a:schemeClr val="accent1"/>
+          </a:fillRef>
+          <a:effectRef idx="0">
+            <a:schemeClr val="accent1"/>
+          </a:effectRef>
+          <a:fontRef idx="minor">
+            <a:schemeClr val="lt1"/>
+          </a:fontRef>
+        </p:style>
+        <p:txBody>
+          <a:bodyPr rtlCol="0" anchor="ctr"/>
+          <a:lstStyle/>
+          <a:p>
+            <a:pPr algn="ctr"/>
+            <a:r>
+              <a:rPr lang="en-GB" sz="1400" b="1" dirty="0"/>
+              <a:t>UBAH JADWAL</a:t>
+            </a:r>
           </a:p>
         </p:txBody>
       </p:sp>
@@ -6271,6 +6435,1029 @@
     <p:extLst>
       <p:ext uri="{BB962C8B-B14F-4D97-AF65-F5344CB8AC3E}">
         <p14:creationId xmlns:p14="http://schemas.microsoft.com/office/powerpoint/2010/main" val="3748399463"/>
+      </p:ext>
+    </p:extLst>
+  </p:cSld>
+  <p:clrMapOvr>
+    <a:masterClrMapping/>
+  </p:clrMapOvr>
+</p:sld>
+</file>
+
+<file path=ppt/slides/slide14.xml><?xml version="1.0" encoding="utf-8"?>
+<p:sld xmlns:a="http://schemas.openxmlformats.org/drawingml/2006/main" xmlns:r="http://schemas.openxmlformats.org/officeDocument/2006/relationships" xmlns:p="http://schemas.openxmlformats.org/presentationml/2006/main">
+  <p:cSld>
+    <p:spTree>
+      <p:nvGrpSpPr>
+        <p:cNvPr id="1" name=""/>
+        <p:cNvGrpSpPr/>
+        <p:nvPr/>
+      </p:nvGrpSpPr>
+      <p:grpSpPr>
+        <a:xfrm>
+          <a:off x="0" y="0"/>
+          <a:ext cx="0" cy="0"/>
+          <a:chOff x="0" y="0"/>
+          <a:chExt cx="0" cy="0"/>
+        </a:xfrm>
+      </p:grpSpPr>
+      <p:sp>
+        <p:nvSpPr>
+          <p:cNvPr id="2" name="Title 1">
+            <a:extLst>
+              <a:ext uri="{FF2B5EF4-FFF2-40B4-BE49-F238E27FC236}">
+                <a16:creationId xmlns:a16="http://schemas.microsoft.com/office/drawing/2014/main" id="{395D887B-904A-465E-B271-DC772B8D30AB}"/>
+              </a:ext>
+            </a:extLst>
+          </p:cNvPr>
+          <p:cNvSpPr>
+            <a:spLocks noGrp="1"/>
+          </p:cNvSpPr>
+          <p:nvPr>
+            <p:ph type="title"/>
+          </p:nvPr>
+        </p:nvSpPr>
+        <p:spPr>
+          <a:xfrm>
+            <a:off x="657224" y="499533"/>
+            <a:ext cx="10772775" cy="1329267"/>
+          </a:xfrm>
+        </p:spPr>
+        <p:txBody>
+          <a:bodyPr/>
+          <a:lstStyle/>
+          <a:p>
+            <a:r>
+              <a:rPr lang="en-GB" b="1" dirty="0"/>
+              <a:t>DESAIN REKAP ABSEN KARYAWAN</a:t>
+            </a:r>
+          </a:p>
+        </p:txBody>
+      </p:sp>
+      <p:sp>
+        <p:nvSpPr>
+          <p:cNvPr id="4" name="Rectangle 3">
+            <a:extLst>
+              <a:ext uri="{FF2B5EF4-FFF2-40B4-BE49-F238E27FC236}">
+                <a16:creationId xmlns:a16="http://schemas.microsoft.com/office/drawing/2014/main" id="{F71D6571-81F8-4B7C-B277-5CA57AD658CE}"/>
+              </a:ext>
+            </a:extLst>
+          </p:cNvPr>
+          <p:cNvSpPr/>
+          <p:nvPr/>
+        </p:nvSpPr>
+        <p:spPr>
+          <a:xfrm>
+            <a:off x="942535" y="2025748"/>
+            <a:ext cx="10487464" cy="4332719"/>
+          </a:xfrm>
+          <a:prstGeom prst="rect">
+            <a:avLst/>
+          </a:prstGeom>
+        </p:spPr>
+        <p:style>
+          <a:lnRef idx="2">
+            <a:schemeClr val="accent6"/>
+          </a:lnRef>
+          <a:fillRef idx="1">
+            <a:schemeClr val="lt1"/>
+          </a:fillRef>
+          <a:effectRef idx="0">
+            <a:schemeClr val="accent6"/>
+          </a:effectRef>
+          <a:fontRef idx="minor">
+            <a:schemeClr val="dk1"/>
+          </a:fontRef>
+        </p:style>
+        <p:txBody>
+          <a:bodyPr rtlCol="0" anchor="ctr"/>
+          <a:lstStyle/>
+          <a:p>
+            <a:pPr algn="ctr"/>
+            <a:endParaRPr lang="en-GB"/>
+          </a:p>
+        </p:txBody>
+      </p:sp>
+      <p:graphicFrame>
+        <p:nvGraphicFramePr>
+          <p:cNvPr id="5" name="Table 4">
+            <a:extLst>
+              <a:ext uri="{FF2B5EF4-FFF2-40B4-BE49-F238E27FC236}">
+                <a16:creationId xmlns:a16="http://schemas.microsoft.com/office/drawing/2014/main" id="{CC85C5CB-3A5F-4C3A-9C94-5CB447093D26}"/>
+              </a:ext>
+            </a:extLst>
+          </p:cNvPr>
+          <p:cNvGraphicFramePr>
+            <a:graphicFrameLocks noGrp="1"/>
+          </p:cNvGraphicFramePr>
+          <p:nvPr>
+            <p:ph idx="1"/>
+            <p:extLst>
+              <p:ext uri="{D42A27DB-BD31-4B8C-83A1-F6EECF244321}">
+                <p14:modId xmlns:p14="http://schemas.microsoft.com/office/powerpoint/2010/main" val="2107336847"/>
+              </p:ext>
+            </p:extLst>
+          </p:nvPr>
+        </p:nvGraphicFramePr>
+        <p:xfrm>
+          <a:off x="1166115" y="3182685"/>
+          <a:ext cx="10083350" cy="3010798"/>
+        </p:xfrm>
+        <a:graphic>
+          <a:graphicData uri="http://schemas.openxmlformats.org/drawingml/2006/table">
+            <a:tbl>
+              <a:tblPr firstRow="1" bandRow="1">
+                <a:tableStyleId>{5C22544A-7EE6-4342-B048-85BDC9FD1C3A}</a:tableStyleId>
+              </a:tblPr>
+              <a:tblGrid>
+                <a:gridCol w="634550">
+                  <a:extLst>
+                    <a:ext uri="{9D8B030D-6E8A-4147-A177-3AD203B41FA5}">
+                      <a16:colId xmlns:a16="http://schemas.microsoft.com/office/drawing/2014/main" val="4103828418"/>
+                    </a:ext>
+                  </a:extLst>
+                </a:gridCol>
+                <a:gridCol w="1294227">
+                  <a:extLst>
+                    <a:ext uri="{9D8B030D-6E8A-4147-A177-3AD203B41FA5}">
+                      <a16:colId xmlns:a16="http://schemas.microsoft.com/office/drawing/2014/main" val="19932013"/>
+                    </a:ext>
+                  </a:extLst>
+                </a:gridCol>
+                <a:gridCol w="1983545">
+                  <a:extLst>
+                    <a:ext uri="{9D8B030D-6E8A-4147-A177-3AD203B41FA5}">
+                      <a16:colId xmlns:a16="http://schemas.microsoft.com/office/drawing/2014/main" val="1886227190"/>
+                    </a:ext>
+                  </a:extLst>
+                </a:gridCol>
+                <a:gridCol w="1828800">
+                  <a:extLst>
+                    <a:ext uri="{9D8B030D-6E8A-4147-A177-3AD203B41FA5}">
+                      <a16:colId xmlns:a16="http://schemas.microsoft.com/office/drawing/2014/main" val="1155619026"/>
+                    </a:ext>
+                  </a:extLst>
+                </a:gridCol>
+                <a:gridCol w="1505243">
+                  <a:extLst>
+                    <a:ext uri="{9D8B030D-6E8A-4147-A177-3AD203B41FA5}">
+                      <a16:colId xmlns:a16="http://schemas.microsoft.com/office/drawing/2014/main" val="3744430549"/>
+                    </a:ext>
+                  </a:extLst>
+                </a:gridCol>
+                <a:gridCol w="1729839">
+                  <a:extLst>
+                    <a:ext uri="{9D8B030D-6E8A-4147-A177-3AD203B41FA5}">
+                      <a16:colId xmlns:a16="http://schemas.microsoft.com/office/drawing/2014/main" val="3157603837"/>
+                    </a:ext>
+                  </a:extLst>
+                </a:gridCol>
+                <a:gridCol w="1107146">
+                  <a:extLst>
+                    <a:ext uri="{9D8B030D-6E8A-4147-A177-3AD203B41FA5}">
+                      <a16:colId xmlns:a16="http://schemas.microsoft.com/office/drawing/2014/main" val="1428171560"/>
+                    </a:ext>
+                  </a:extLst>
+                </a:gridCol>
+              </a:tblGrid>
+              <a:tr h="450478">
+                <a:tc>
+                  <a:txBody>
+                    <a:bodyPr/>
+                    <a:lstStyle/>
+                    <a:p>
+                      <a:r>
+                        <a:rPr lang="en-GB" dirty="0"/>
+                        <a:t>No</a:t>
+                      </a:r>
+                    </a:p>
+                  </a:txBody>
+                  <a:tcPr/>
+                </a:tc>
+                <a:tc>
+                  <a:txBody>
+                    <a:bodyPr/>
+                    <a:lstStyle/>
+                    <a:p>
+                      <a:r>
+                        <a:rPr lang="en-GB" dirty="0"/>
+                        <a:t>Nama</a:t>
+                      </a:r>
+                    </a:p>
+                  </a:txBody>
+                  <a:tcPr/>
+                </a:tc>
+                <a:tc>
+                  <a:txBody>
+                    <a:bodyPr/>
+                    <a:lstStyle/>
+                    <a:p>
+                      <a:r>
+                        <a:rPr lang="en-GB" dirty="0"/>
+                        <a:t>Divisi</a:t>
+                      </a:r>
+                    </a:p>
+                  </a:txBody>
+                  <a:tcPr/>
+                </a:tc>
+                <a:tc>
+                  <a:txBody>
+                    <a:bodyPr/>
+                    <a:lstStyle/>
+                    <a:p>
+                      <a:r>
+                        <a:rPr lang="en-GB" dirty="0"/>
+                        <a:t>Jam </a:t>
+                      </a:r>
+                      <a:r>
+                        <a:rPr lang="en-GB" dirty="0" err="1"/>
+                        <a:t>Absen</a:t>
+                      </a:r>
+                      <a:endParaRPr lang="en-GB" dirty="0"/>
+                    </a:p>
+                  </a:txBody>
+                  <a:tcPr/>
+                </a:tc>
+                <a:tc>
+                  <a:txBody>
+                    <a:bodyPr/>
+                    <a:lstStyle/>
+                    <a:p>
+                      <a:r>
+                        <a:rPr lang="en-GB" dirty="0" err="1"/>
+                        <a:t>Keterangan</a:t>
+                      </a:r>
+                      <a:endParaRPr lang="en-GB" dirty="0"/>
+                    </a:p>
+                  </a:txBody>
+                  <a:tcPr/>
+                </a:tc>
+                <a:tc>
+                  <a:txBody>
+                    <a:bodyPr/>
+                    <a:lstStyle/>
+                    <a:p>
+                      <a:r>
+                        <a:rPr lang="en-GB" dirty="0" err="1"/>
+                        <a:t>Lokasi</a:t>
+                      </a:r>
+                      <a:r>
+                        <a:rPr lang="en-GB" dirty="0"/>
+                        <a:t> </a:t>
+                      </a:r>
+                      <a:r>
+                        <a:rPr lang="en-GB" dirty="0" err="1"/>
+                        <a:t>Absen</a:t>
+                      </a:r>
+                      <a:endParaRPr lang="en-GB" dirty="0"/>
+                    </a:p>
+                  </a:txBody>
+                  <a:tcPr/>
+                </a:tc>
+                <a:tc>
+                  <a:txBody>
+                    <a:bodyPr/>
+                    <a:lstStyle/>
+                    <a:p>
+                      <a:r>
+                        <a:rPr lang="en-GB" dirty="0" err="1"/>
+                        <a:t>Aksi</a:t>
+                      </a:r>
+                      <a:endParaRPr lang="en-GB" dirty="0"/>
+                    </a:p>
+                  </a:txBody>
+                  <a:tcPr/>
+                </a:tc>
+                <a:extLst>
+                  <a:ext uri="{0D108BD9-81ED-4DB2-BD59-A6C34878D82A}">
+                    <a16:rowId xmlns:a16="http://schemas.microsoft.com/office/drawing/2014/main" val="146931882"/>
+                  </a:ext>
+                </a:extLst>
+              </a:tr>
+              <a:tr h="450478">
+                <a:tc>
+                  <a:txBody>
+                    <a:bodyPr/>
+                    <a:lstStyle/>
+                    <a:p>
+                      <a:r>
+                        <a:rPr lang="en-GB" dirty="0"/>
+                        <a:t>1</a:t>
+                      </a:r>
+                    </a:p>
+                  </a:txBody>
+                  <a:tcPr/>
+                </a:tc>
+                <a:tc>
+                  <a:txBody>
+                    <a:bodyPr/>
+                    <a:lstStyle/>
+                    <a:p>
+                      <a:r>
+                        <a:rPr lang="en-GB" dirty="0"/>
+                        <a:t>A</a:t>
+                      </a:r>
+                    </a:p>
+                  </a:txBody>
+                  <a:tcPr/>
+                </a:tc>
+                <a:tc>
+                  <a:txBody>
+                    <a:bodyPr/>
+                    <a:lstStyle/>
+                    <a:p>
+                      <a:r>
+                        <a:rPr lang="en-GB" dirty="0"/>
+                        <a:t>Marketing</a:t>
+                      </a:r>
+                    </a:p>
+                  </a:txBody>
+                  <a:tcPr/>
+                </a:tc>
+                <a:tc>
+                  <a:txBody>
+                    <a:bodyPr/>
+                    <a:lstStyle/>
+                    <a:p>
+                      <a:r>
+                        <a:rPr lang="en-GB" dirty="0"/>
+                        <a:t>07.00</a:t>
+                      </a:r>
+                    </a:p>
+                  </a:txBody>
+                  <a:tcPr/>
+                </a:tc>
+                <a:tc>
+                  <a:txBody>
+                    <a:bodyPr/>
+                    <a:lstStyle/>
+                    <a:p>
+                      <a:r>
+                        <a:rPr lang="en-GB" dirty="0"/>
+                        <a:t>On-time</a:t>
+                      </a:r>
+                    </a:p>
+                  </a:txBody>
+                  <a:tcPr/>
+                </a:tc>
+                <a:tc>
+                  <a:txBody>
+                    <a:bodyPr/>
+                    <a:lstStyle/>
+                    <a:p>
+                      <a:r>
+                        <a:rPr lang="en-GB" dirty="0"/>
+                        <a:t>(</a:t>
+                      </a:r>
+                      <a:r>
+                        <a:rPr lang="en-GB" dirty="0" err="1"/>
+                        <a:t>Koordinat</a:t>
+                      </a:r>
+                      <a:r>
+                        <a:rPr lang="en-GB" dirty="0"/>
+                        <a:t>)</a:t>
+                      </a:r>
+                    </a:p>
+                  </a:txBody>
+                  <a:tcPr/>
+                </a:tc>
+                <a:tc>
+                  <a:txBody>
+                    <a:bodyPr/>
+                    <a:lstStyle/>
+                    <a:p>
+                      <a:r>
+                        <a:rPr lang="en-GB" dirty="0"/>
+                        <a:t>Edit | </a:t>
+                      </a:r>
+                      <a:r>
+                        <a:rPr lang="en-GB" dirty="0" err="1"/>
+                        <a:t>Hapus</a:t>
+                      </a:r>
+                      <a:endParaRPr lang="en-GB" dirty="0"/>
+                    </a:p>
+                  </a:txBody>
+                  <a:tcPr/>
+                </a:tc>
+                <a:extLst>
+                  <a:ext uri="{0D108BD9-81ED-4DB2-BD59-A6C34878D82A}">
+                    <a16:rowId xmlns:a16="http://schemas.microsoft.com/office/drawing/2014/main" val="1466841674"/>
+                  </a:ext>
+                </a:extLst>
+              </a:tr>
+              <a:tr h="450478">
+                <a:tc>
+                  <a:txBody>
+                    <a:bodyPr/>
+                    <a:lstStyle/>
+                    <a:p>
+                      <a:r>
+                        <a:rPr lang="en-GB" dirty="0"/>
+                        <a:t>2</a:t>
+                      </a:r>
+                    </a:p>
+                  </a:txBody>
+                  <a:tcPr/>
+                </a:tc>
+                <a:tc>
+                  <a:txBody>
+                    <a:bodyPr/>
+                    <a:lstStyle/>
+                    <a:p>
+                      <a:r>
+                        <a:rPr lang="en-GB" dirty="0"/>
+                        <a:t>B</a:t>
+                      </a:r>
+                    </a:p>
+                  </a:txBody>
+                  <a:tcPr/>
+                </a:tc>
+                <a:tc>
+                  <a:txBody>
+                    <a:bodyPr/>
+                    <a:lstStyle/>
+                    <a:p>
+                      <a:r>
+                        <a:rPr lang="en-GB" dirty="0"/>
+                        <a:t>IT</a:t>
+                      </a:r>
+                    </a:p>
+                  </a:txBody>
+                  <a:tcPr/>
+                </a:tc>
+                <a:tc>
+                  <a:txBody>
+                    <a:bodyPr/>
+                    <a:lstStyle/>
+                    <a:p>
+                      <a:r>
+                        <a:rPr lang="en-GB" dirty="0"/>
+                        <a:t>07.10</a:t>
+                      </a:r>
+                    </a:p>
+                  </a:txBody>
+                  <a:tcPr/>
+                </a:tc>
+                <a:tc>
+                  <a:txBody>
+                    <a:bodyPr/>
+                    <a:lstStyle/>
+                    <a:p>
+                      <a:r>
+                        <a:rPr lang="en-GB" dirty="0"/>
+                        <a:t>On-time</a:t>
+                      </a:r>
+                    </a:p>
+                  </a:txBody>
+                  <a:tcPr/>
+                </a:tc>
+                <a:tc>
+                  <a:txBody>
+                    <a:bodyPr/>
+                    <a:lstStyle/>
+                    <a:p>
+                      <a:r>
+                        <a:rPr lang="en-GB" dirty="0"/>
+                        <a:t>(</a:t>
+                      </a:r>
+                      <a:r>
+                        <a:rPr lang="en-GB" dirty="0" err="1"/>
+                        <a:t>Koordinat</a:t>
+                      </a:r>
+                      <a:r>
+                        <a:rPr lang="en-GB" dirty="0"/>
+                        <a:t>)</a:t>
+                      </a:r>
+                    </a:p>
+                  </a:txBody>
+                  <a:tcPr/>
+                </a:tc>
+                <a:tc>
+                  <a:txBody>
+                    <a:bodyPr/>
+                    <a:lstStyle/>
+                    <a:p>
+                      <a:pPr marL="0" marR="0" lvl="0" indent="0" algn="l" defTabSz="914400" rtl="0" eaLnBrk="1" fontAlgn="auto" latinLnBrk="0" hangingPunct="1">
+                        <a:lnSpc>
+                          <a:spcPct val="100000"/>
+                        </a:lnSpc>
+                        <a:spcBef>
+                          <a:spcPts val="0"/>
+                        </a:spcBef>
+                        <a:spcAft>
+                          <a:spcPts val="0"/>
+                        </a:spcAft>
+                        <a:buClrTx/>
+                        <a:buSzTx/>
+                        <a:buFontTx/>
+                        <a:buNone/>
+                        <a:tabLst/>
+                        <a:defRPr/>
+                      </a:pPr>
+                      <a:r>
+                        <a:rPr lang="en-GB" dirty="0"/>
+                        <a:t>Edit | </a:t>
+                      </a:r>
+                      <a:r>
+                        <a:rPr lang="en-GB" dirty="0" err="1"/>
+                        <a:t>Hapus</a:t>
+                      </a:r>
+                      <a:endParaRPr lang="en-GB" dirty="0"/>
+                    </a:p>
+                  </a:txBody>
+                  <a:tcPr/>
+                </a:tc>
+                <a:extLst>
+                  <a:ext uri="{0D108BD9-81ED-4DB2-BD59-A6C34878D82A}">
+                    <a16:rowId xmlns:a16="http://schemas.microsoft.com/office/drawing/2014/main" val="762024274"/>
+                  </a:ext>
+                </a:extLst>
+              </a:tr>
+              <a:tr h="450478">
+                <a:tc>
+                  <a:txBody>
+                    <a:bodyPr/>
+                    <a:lstStyle/>
+                    <a:p>
+                      <a:r>
+                        <a:rPr lang="en-GB" dirty="0"/>
+                        <a:t>3</a:t>
+                      </a:r>
+                    </a:p>
+                  </a:txBody>
+                  <a:tcPr/>
+                </a:tc>
+                <a:tc>
+                  <a:txBody>
+                    <a:bodyPr/>
+                    <a:lstStyle/>
+                    <a:p>
+                      <a:r>
+                        <a:rPr lang="en-GB" dirty="0"/>
+                        <a:t>C</a:t>
+                      </a:r>
+                    </a:p>
+                  </a:txBody>
+                  <a:tcPr/>
+                </a:tc>
+                <a:tc>
+                  <a:txBody>
+                    <a:bodyPr/>
+                    <a:lstStyle/>
+                    <a:p>
+                      <a:r>
+                        <a:rPr lang="en-GB" dirty="0" err="1"/>
+                        <a:t>Finansial</a:t>
+                      </a:r>
+                      <a:endParaRPr lang="en-GB" dirty="0"/>
+                    </a:p>
+                  </a:txBody>
+                  <a:tcPr/>
+                </a:tc>
+                <a:tc>
+                  <a:txBody>
+                    <a:bodyPr/>
+                    <a:lstStyle/>
+                    <a:p>
+                      <a:r>
+                        <a:rPr lang="en-GB" dirty="0"/>
+                        <a:t>08.00</a:t>
+                      </a:r>
+                    </a:p>
+                  </a:txBody>
+                  <a:tcPr/>
+                </a:tc>
+                <a:tc>
+                  <a:txBody>
+                    <a:bodyPr/>
+                    <a:lstStyle/>
+                    <a:p>
+                      <a:r>
+                        <a:rPr lang="en-GB" dirty="0" err="1"/>
+                        <a:t>Terlambat</a:t>
+                      </a:r>
+                      <a:endParaRPr lang="en-GB" dirty="0"/>
+                    </a:p>
+                  </a:txBody>
+                  <a:tcPr/>
+                </a:tc>
+                <a:tc>
+                  <a:txBody>
+                    <a:bodyPr/>
+                    <a:lstStyle/>
+                    <a:p>
+                      <a:r>
+                        <a:rPr lang="en-GB" dirty="0"/>
+                        <a:t>(</a:t>
+                      </a:r>
+                      <a:r>
+                        <a:rPr lang="en-GB" dirty="0" err="1"/>
+                        <a:t>Koordinat</a:t>
+                      </a:r>
+                      <a:r>
+                        <a:rPr lang="en-GB" dirty="0"/>
+                        <a:t>)</a:t>
+                      </a:r>
+                    </a:p>
+                  </a:txBody>
+                  <a:tcPr/>
+                </a:tc>
+                <a:tc>
+                  <a:txBody>
+                    <a:bodyPr/>
+                    <a:lstStyle/>
+                    <a:p>
+                      <a:pPr marL="0" marR="0" lvl="0" indent="0" algn="l" defTabSz="914400" rtl="0" eaLnBrk="1" fontAlgn="auto" latinLnBrk="0" hangingPunct="1">
+                        <a:lnSpc>
+                          <a:spcPct val="100000"/>
+                        </a:lnSpc>
+                        <a:spcBef>
+                          <a:spcPts val="0"/>
+                        </a:spcBef>
+                        <a:spcAft>
+                          <a:spcPts val="0"/>
+                        </a:spcAft>
+                        <a:buClrTx/>
+                        <a:buSzTx/>
+                        <a:buFontTx/>
+                        <a:buNone/>
+                        <a:tabLst/>
+                        <a:defRPr/>
+                      </a:pPr>
+                      <a:r>
+                        <a:rPr lang="en-GB" dirty="0"/>
+                        <a:t>Edit | </a:t>
+                      </a:r>
+                      <a:r>
+                        <a:rPr lang="en-GB" dirty="0" err="1"/>
+                        <a:t>Hapus</a:t>
+                      </a:r>
+                      <a:endParaRPr lang="en-GB" dirty="0"/>
+                    </a:p>
+                  </a:txBody>
+                  <a:tcPr/>
+                </a:tc>
+                <a:extLst>
+                  <a:ext uri="{0D108BD9-81ED-4DB2-BD59-A6C34878D82A}">
+                    <a16:rowId xmlns:a16="http://schemas.microsoft.com/office/drawing/2014/main" val="529030883"/>
+                  </a:ext>
+                </a:extLst>
+              </a:tr>
+              <a:tr h="450478">
+                <a:tc>
+                  <a:txBody>
+                    <a:bodyPr/>
+                    <a:lstStyle/>
+                    <a:p>
+                      <a:r>
+                        <a:rPr lang="en-GB" dirty="0"/>
+                        <a:t>4</a:t>
+                      </a:r>
+                    </a:p>
+                  </a:txBody>
+                  <a:tcPr/>
+                </a:tc>
+                <a:tc>
+                  <a:txBody>
+                    <a:bodyPr/>
+                    <a:lstStyle/>
+                    <a:p>
+                      <a:r>
+                        <a:rPr lang="en-GB" dirty="0"/>
+                        <a:t>D</a:t>
+                      </a:r>
+                    </a:p>
+                  </a:txBody>
+                  <a:tcPr/>
+                </a:tc>
+                <a:tc>
+                  <a:txBody>
+                    <a:bodyPr/>
+                    <a:lstStyle/>
+                    <a:p>
+                      <a:r>
+                        <a:rPr lang="en-GB" dirty="0"/>
+                        <a:t>Manager</a:t>
+                      </a:r>
+                    </a:p>
+                  </a:txBody>
+                  <a:tcPr/>
+                </a:tc>
+                <a:tc>
+                  <a:txBody>
+                    <a:bodyPr/>
+                    <a:lstStyle/>
+                    <a:p>
+                      <a:r>
+                        <a:rPr lang="en-GB" dirty="0"/>
+                        <a:t>07.00</a:t>
+                      </a:r>
+                    </a:p>
+                  </a:txBody>
+                  <a:tcPr/>
+                </a:tc>
+                <a:tc>
+                  <a:txBody>
+                    <a:bodyPr/>
+                    <a:lstStyle/>
+                    <a:p>
+                      <a:r>
+                        <a:rPr lang="en-GB" dirty="0"/>
+                        <a:t>On-time</a:t>
+                      </a:r>
+                    </a:p>
+                  </a:txBody>
+                  <a:tcPr/>
+                </a:tc>
+                <a:tc>
+                  <a:txBody>
+                    <a:bodyPr/>
+                    <a:lstStyle/>
+                    <a:p>
+                      <a:r>
+                        <a:rPr lang="en-GB" dirty="0"/>
+                        <a:t>(</a:t>
+                      </a:r>
+                      <a:r>
+                        <a:rPr lang="en-GB" dirty="0" err="1"/>
+                        <a:t>Koordinat</a:t>
+                      </a:r>
+                      <a:r>
+                        <a:rPr lang="en-GB" dirty="0"/>
+                        <a:t>)</a:t>
+                      </a:r>
+                    </a:p>
+                  </a:txBody>
+                  <a:tcPr/>
+                </a:tc>
+                <a:tc>
+                  <a:txBody>
+                    <a:bodyPr/>
+                    <a:lstStyle/>
+                    <a:p>
+                      <a:pPr marL="0" marR="0" lvl="0" indent="0" algn="l" defTabSz="914400" rtl="0" eaLnBrk="1" fontAlgn="auto" latinLnBrk="0" hangingPunct="1">
+                        <a:lnSpc>
+                          <a:spcPct val="100000"/>
+                        </a:lnSpc>
+                        <a:spcBef>
+                          <a:spcPts val="0"/>
+                        </a:spcBef>
+                        <a:spcAft>
+                          <a:spcPts val="0"/>
+                        </a:spcAft>
+                        <a:buClrTx/>
+                        <a:buSzTx/>
+                        <a:buFontTx/>
+                        <a:buNone/>
+                        <a:tabLst/>
+                        <a:defRPr/>
+                      </a:pPr>
+                      <a:r>
+                        <a:rPr lang="en-GB" dirty="0"/>
+                        <a:t>Edit | </a:t>
+                      </a:r>
+                      <a:r>
+                        <a:rPr lang="en-GB" dirty="0" err="1"/>
+                        <a:t>Hapus</a:t>
+                      </a:r>
+                      <a:endParaRPr lang="en-GB" dirty="0"/>
+                    </a:p>
+                  </a:txBody>
+                  <a:tcPr/>
+                </a:tc>
+                <a:extLst>
+                  <a:ext uri="{0D108BD9-81ED-4DB2-BD59-A6C34878D82A}">
+                    <a16:rowId xmlns:a16="http://schemas.microsoft.com/office/drawing/2014/main" val="3466108933"/>
+                  </a:ext>
+                </a:extLst>
+              </a:tr>
+            </a:tbl>
+          </a:graphicData>
+        </a:graphic>
+      </p:graphicFrame>
+      <p:sp>
+        <p:nvSpPr>
+          <p:cNvPr id="3" name="Rectangle 2">
+            <a:extLst>
+              <a:ext uri="{FF2B5EF4-FFF2-40B4-BE49-F238E27FC236}">
+                <a16:creationId xmlns:a16="http://schemas.microsoft.com/office/drawing/2014/main" id="{AB474A37-BB49-4CB2-9FAE-2E661B62CD4C}"/>
+              </a:ext>
+            </a:extLst>
+          </p:cNvPr>
+          <p:cNvSpPr/>
+          <p:nvPr/>
+        </p:nvSpPr>
+        <p:spPr>
+          <a:xfrm>
+            <a:off x="1166115" y="2307102"/>
+            <a:ext cx="1548950" cy="710599"/>
+          </a:xfrm>
+          <a:prstGeom prst="rect">
+            <a:avLst/>
+          </a:prstGeom>
+        </p:spPr>
+        <p:style>
+          <a:lnRef idx="2">
+            <a:schemeClr val="accent1">
+              <a:shade val="50000"/>
+            </a:schemeClr>
+          </a:lnRef>
+          <a:fillRef idx="1">
+            <a:schemeClr val="accent1"/>
+          </a:fillRef>
+          <a:effectRef idx="0">
+            <a:schemeClr val="accent1"/>
+          </a:effectRef>
+          <a:fontRef idx="minor">
+            <a:schemeClr val="lt1"/>
+          </a:fontRef>
+        </p:style>
+        <p:txBody>
+          <a:bodyPr rtlCol="0" anchor="ctr"/>
+          <a:lstStyle/>
+          <a:p>
+            <a:pPr algn="ctr"/>
+            <a:r>
+              <a:rPr lang="en-GB" dirty="0"/>
+              <a:t>XX </a:t>
+            </a:r>
+            <a:r>
+              <a:rPr lang="en-GB" dirty="0" err="1"/>
+              <a:t>Karyawan</a:t>
+            </a:r>
+            <a:endParaRPr lang="en-GB" dirty="0"/>
+          </a:p>
+        </p:txBody>
+      </p:sp>
+      <p:sp>
+        <p:nvSpPr>
+          <p:cNvPr id="7" name="Rectangle 6">
+            <a:extLst>
+              <a:ext uri="{FF2B5EF4-FFF2-40B4-BE49-F238E27FC236}">
+                <a16:creationId xmlns:a16="http://schemas.microsoft.com/office/drawing/2014/main" id="{A8B5DE9A-0637-481A-A3B7-869708D27D98}"/>
+              </a:ext>
+            </a:extLst>
+          </p:cNvPr>
+          <p:cNvSpPr/>
+          <p:nvPr/>
+        </p:nvSpPr>
+        <p:spPr>
+          <a:xfrm>
+            <a:off x="2938645" y="2307102"/>
+            <a:ext cx="1548950" cy="710599"/>
+          </a:xfrm>
+          <a:prstGeom prst="rect">
+            <a:avLst/>
+          </a:prstGeom>
+        </p:spPr>
+        <p:style>
+          <a:lnRef idx="2">
+            <a:schemeClr val="accent1">
+              <a:shade val="50000"/>
+            </a:schemeClr>
+          </a:lnRef>
+          <a:fillRef idx="1">
+            <a:schemeClr val="accent1"/>
+          </a:fillRef>
+          <a:effectRef idx="0">
+            <a:schemeClr val="accent1"/>
+          </a:effectRef>
+          <a:fontRef idx="minor">
+            <a:schemeClr val="lt1"/>
+          </a:fontRef>
+        </p:style>
+        <p:txBody>
+          <a:bodyPr rtlCol="0" anchor="ctr"/>
+          <a:lstStyle/>
+          <a:p>
+            <a:pPr algn="ctr"/>
+            <a:r>
+              <a:rPr lang="en-GB" dirty="0"/>
+              <a:t>XX On-time</a:t>
+            </a:r>
+          </a:p>
+        </p:txBody>
+      </p:sp>
+      <p:sp>
+        <p:nvSpPr>
+          <p:cNvPr id="10" name="Rectangle 9">
+            <a:extLst>
+              <a:ext uri="{FF2B5EF4-FFF2-40B4-BE49-F238E27FC236}">
+                <a16:creationId xmlns:a16="http://schemas.microsoft.com/office/drawing/2014/main" id="{0E4F16F7-9E26-44C9-B085-66CBC29E0938}"/>
+              </a:ext>
+            </a:extLst>
+          </p:cNvPr>
+          <p:cNvSpPr/>
+          <p:nvPr/>
+        </p:nvSpPr>
+        <p:spPr>
+          <a:xfrm>
+            <a:off x="4711175" y="2307102"/>
+            <a:ext cx="1548950" cy="710599"/>
+          </a:xfrm>
+          <a:prstGeom prst="rect">
+            <a:avLst/>
+          </a:prstGeom>
+        </p:spPr>
+        <p:style>
+          <a:lnRef idx="2">
+            <a:schemeClr val="accent1">
+              <a:shade val="50000"/>
+            </a:schemeClr>
+          </a:lnRef>
+          <a:fillRef idx="1">
+            <a:schemeClr val="accent1"/>
+          </a:fillRef>
+          <a:effectRef idx="0">
+            <a:schemeClr val="accent1"/>
+          </a:effectRef>
+          <a:fontRef idx="minor">
+            <a:schemeClr val="lt1"/>
+          </a:fontRef>
+        </p:style>
+        <p:txBody>
+          <a:bodyPr rtlCol="0" anchor="ctr"/>
+          <a:lstStyle/>
+          <a:p>
+            <a:pPr algn="ctr"/>
+            <a:r>
+              <a:rPr lang="en-GB" dirty="0"/>
+              <a:t>XX </a:t>
+            </a:r>
+            <a:r>
+              <a:rPr lang="en-GB" dirty="0" err="1"/>
+              <a:t>Terlambat</a:t>
+            </a:r>
+            <a:endParaRPr lang="en-GB" dirty="0"/>
+          </a:p>
+        </p:txBody>
+      </p:sp>
+      <p:sp>
+        <p:nvSpPr>
+          <p:cNvPr id="11" name="Rectangle 10">
+            <a:extLst>
+              <a:ext uri="{FF2B5EF4-FFF2-40B4-BE49-F238E27FC236}">
+                <a16:creationId xmlns:a16="http://schemas.microsoft.com/office/drawing/2014/main" id="{DFE8790A-B7CE-455F-A4CA-80FDE9F1604D}"/>
+              </a:ext>
+            </a:extLst>
+          </p:cNvPr>
+          <p:cNvSpPr/>
+          <p:nvPr/>
+        </p:nvSpPr>
+        <p:spPr>
+          <a:xfrm>
+            <a:off x="6483705" y="2308795"/>
+            <a:ext cx="1548950" cy="710599"/>
+          </a:xfrm>
+          <a:prstGeom prst="rect">
+            <a:avLst/>
+          </a:prstGeom>
+        </p:spPr>
+        <p:style>
+          <a:lnRef idx="2">
+            <a:schemeClr val="accent1">
+              <a:shade val="50000"/>
+            </a:schemeClr>
+          </a:lnRef>
+          <a:fillRef idx="1">
+            <a:schemeClr val="accent1"/>
+          </a:fillRef>
+          <a:effectRef idx="0">
+            <a:schemeClr val="accent1"/>
+          </a:effectRef>
+          <a:fontRef idx="minor">
+            <a:schemeClr val="lt1"/>
+          </a:fontRef>
+        </p:style>
+        <p:txBody>
+          <a:bodyPr rtlCol="0" anchor="ctr"/>
+          <a:lstStyle/>
+          <a:p>
+            <a:pPr algn="ctr"/>
+            <a:r>
+              <a:rPr lang="en-GB" dirty="0"/>
+              <a:t>XX </a:t>
+            </a:r>
+            <a:r>
+              <a:rPr lang="en-GB" dirty="0" err="1"/>
+              <a:t>Tidak</a:t>
+            </a:r>
+            <a:r>
+              <a:rPr lang="en-GB" dirty="0"/>
+              <a:t> </a:t>
+            </a:r>
+            <a:r>
+              <a:rPr lang="en-GB" dirty="0" err="1"/>
+              <a:t>Hadir</a:t>
+            </a:r>
+            <a:endParaRPr lang="en-GB" dirty="0"/>
+          </a:p>
+        </p:txBody>
+      </p:sp>
+    </p:spTree>
+    <p:extLst>
+      <p:ext uri="{BB962C8B-B14F-4D97-AF65-F5344CB8AC3E}">
+        <p14:creationId xmlns:p14="http://schemas.microsoft.com/office/powerpoint/2010/main" val="3497233272"/>
       </p:ext>
     </p:extLst>
   </p:cSld>
